--- a/프로젝트 완료 결과 보고서.pptx
+++ b/프로젝트 완료 결과 보고서.pptx
@@ -4531,27 +4531,15 @@
               <a:rPr lang="en-US" altLang="ko-KR" b="1" dirty="0" smtClean="0">
                 <a:ea typeface="굴림" charset="-127"/>
               </a:rPr>
-              <a:t>: </a:t>
-            </a:r>
-            <a:r>
-              <a:rPr lang="en-US" altLang="ko-KR" b="1" dirty="0" smtClean="0">
+              <a:t>: PRADA</a:t>
+            </a:r>
+          </a:p>
+          <a:p>
+            <a:r>
+              <a:rPr lang="ko-KR" altLang="en-US" b="1" dirty="0" smtClean="0">
                 <a:ea typeface="굴림" charset="-127"/>
               </a:rPr>
-              <a:t>PRADA</a:t>
-            </a:r>
-          </a:p>
-          <a:p>
-            <a:r>
-              <a:rPr lang="ko-KR" altLang="en-US" b="1" dirty="0" smtClean="0">
-                <a:ea typeface="굴림" charset="-127"/>
-              </a:rPr>
-              <a:t>개발자 </a:t>
-            </a:r>
-            <a:r>
-              <a:rPr lang="ko-KR" altLang="en-US" b="1" dirty="0" smtClean="0">
-                <a:ea typeface="굴림" charset="-127"/>
-              </a:rPr>
-              <a:t>정보 </a:t>
+              <a:t>개발자 정보 </a:t>
             </a:r>
             <a:endParaRPr lang="en-US" altLang="ko-KR" b="1" dirty="0" smtClean="0">
               <a:ea typeface="굴림" charset="-127"/>
@@ -4798,63 +4786,36 @@
               <a:rPr lang="ko-KR" altLang="en-US" b="1" dirty="0" smtClean="0">
                 <a:ea typeface="굴림" charset="-127"/>
               </a:rPr>
-              <a:t>프로젝트 </a:t>
+              <a:t>프로젝트 대상 </a:t>
+            </a:r>
+            <a:r>
+              <a:rPr lang="en-US" altLang="ko-KR" b="1" dirty="0" smtClean="0">
+                <a:ea typeface="굴림" charset="-127"/>
+              </a:rPr>
+              <a:t>: </a:t>
             </a:r>
             <a:r>
               <a:rPr lang="ko-KR" altLang="en-US" b="1" dirty="0" smtClean="0">
                 <a:ea typeface="굴림" charset="-127"/>
               </a:rPr>
-              <a:t>대상 </a:t>
-            </a:r>
-            <a:r>
-              <a:rPr lang="en-US" altLang="ko-KR" b="1" dirty="0" smtClean="0">
-                <a:ea typeface="굴림" charset="-127"/>
-              </a:rPr>
-              <a:t>: PRADA</a:t>
-            </a:r>
-            <a:endParaRPr lang="en-US" altLang="ko-KR" dirty="0" smtClean="0">
-              <a:solidFill>
-                <a:srgbClr val="FF0000"/>
-              </a:solidFill>
-              <a:ea typeface="굴림" charset="-127"/>
-            </a:endParaRPr>
-          </a:p>
-          <a:p>
-            <a:r>
-              <a:rPr lang="ko-KR" altLang="en-US" b="1" dirty="0" smtClean="0">
-                <a:ea typeface="굴림" charset="-127"/>
-              </a:rPr>
-              <a:t>프로젝트 개발 산출물</a:t>
+              <a:t>여성</a:t>
             </a:r>
             <a:endParaRPr lang="en-US" altLang="ko-KR" b="1" dirty="0" smtClean="0">
               <a:ea typeface="굴림" charset="-127"/>
             </a:endParaRPr>
           </a:p>
           <a:p>
-            <a:pPr lvl="1"/>
             <a:r>
               <a:rPr lang="ko-KR" altLang="en-US" b="1" dirty="0" smtClean="0">
                 <a:ea typeface="굴림" charset="-127"/>
               </a:rPr>
-              <a:t>서비스 </a:t>
-            </a:r>
-            <a:r>
-              <a:rPr lang="en-US" altLang="ko-KR" b="1" dirty="0" smtClean="0">
+              <a:t>프로젝트 </a:t>
+            </a:r>
+            <a:r>
+              <a:rPr lang="ko-KR" altLang="en-US" b="1" dirty="0" smtClean="0">
                 <a:ea typeface="굴림" charset="-127"/>
               </a:rPr>
-              <a:t>URL : </a:t>
-            </a:r>
-            <a:r>
-              <a:rPr lang="en-US" altLang="ko-KR" b="1" dirty="0" smtClean="0">
-                <a:ea typeface="굴림" charset="-127"/>
-              </a:rPr>
-              <a:t>lovejch88.doyhome.co.kr/</a:t>
-            </a:r>
-            <a:r>
-              <a:rPr lang="en-US" altLang="ko-KR" b="1" dirty="0" err="1" smtClean="0">
-                <a:ea typeface="굴림" charset="-127"/>
-              </a:rPr>
-              <a:t>prada</a:t>
+              <a:t>개발 산출물</a:t>
             </a:r>
             <a:endParaRPr lang="en-US" altLang="ko-KR" b="1" dirty="0" smtClean="0">
               <a:ea typeface="굴림" charset="-127"/>
@@ -4863,22 +4824,22 @@
           <a:p>
             <a:pPr lvl="1"/>
             <a:r>
+              <a:rPr lang="ko-KR" altLang="en-US" b="1" dirty="0" smtClean="0">
+                <a:ea typeface="굴림" charset="-127"/>
+              </a:rPr>
+              <a:t>서비스 </a:t>
+            </a:r>
+            <a:r>
               <a:rPr lang="en-US" altLang="ko-KR" b="1" dirty="0" smtClean="0">
                 <a:ea typeface="굴림" charset="-127"/>
               </a:rPr>
-              <a:t>HTML </a:t>
-            </a:r>
-            <a:r>
-              <a:rPr lang="ko-KR" altLang="en-US" b="1" dirty="0" smtClean="0">
+              <a:t>URL : lovejch88.doyhome.co.kr/</a:t>
+            </a:r>
+            <a:r>
+              <a:rPr lang="en-US" altLang="ko-KR" b="1" dirty="0" err="1" smtClean="0">
                 <a:ea typeface="굴림" charset="-127"/>
               </a:rPr>
-              <a:t>파일 수 </a:t>
-            </a:r>
-            <a:r>
-              <a:rPr lang="en-US" altLang="ko-KR" b="1" dirty="0" smtClean="0">
-                <a:ea typeface="굴림" charset="-127"/>
-              </a:rPr>
-              <a:t>: 5</a:t>
+              <a:t>prada</a:t>
             </a:r>
             <a:endParaRPr lang="en-US" altLang="ko-KR" b="1" dirty="0" smtClean="0">
               <a:ea typeface="굴림" charset="-127"/>
@@ -4890,7 +4851,7 @@
               <a:rPr lang="en-US" altLang="ko-KR" b="1" dirty="0" smtClean="0">
                 <a:ea typeface="굴림" charset="-127"/>
               </a:rPr>
-              <a:t>Graphic </a:t>
+              <a:t>HTML </a:t>
             </a:r>
             <a:r>
               <a:rPr lang="ko-KR" altLang="en-US" b="1" dirty="0" smtClean="0">
@@ -4902,11 +4863,29 @@
               <a:rPr lang="en-US" altLang="ko-KR" b="1" dirty="0" smtClean="0">
                 <a:ea typeface="굴림" charset="-127"/>
               </a:rPr>
+              <a:t>: 5</a:t>
+            </a:r>
+          </a:p>
+          <a:p>
+            <a:pPr lvl="1"/>
+            <a:r>
+              <a:rPr lang="en-US" altLang="ko-KR" b="1" dirty="0" smtClean="0">
+                <a:ea typeface="굴림" charset="-127"/>
+              </a:rPr>
+              <a:t>Graphic </a:t>
+            </a:r>
+            <a:r>
+              <a:rPr lang="ko-KR" altLang="en-US" b="1" dirty="0" smtClean="0">
+                <a:ea typeface="굴림" charset="-127"/>
+              </a:rPr>
+              <a:t>파일 수 </a:t>
+            </a:r>
+            <a:r>
+              <a:rPr lang="en-US" altLang="ko-KR" b="1" dirty="0" smtClean="0">
+                <a:ea typeface="굴림" charset="-127"/>
+              </a:rPr>
               <a:t>: 56</a:t>
             </a:r>
-            <a:endParaRPr lang="en-US" altLang="ko-KR" b="1" dirty="0" smtClean="0">
-              <a:ea typeface="굴림" charset="-127"/>
-            </a:endParaRPr>
           </a:p>
           <a:p>
             <a:pPr lvl="1"/>
@@ -5140,13 +5119,7 @@
               <a:rPr lang="ko-KR" altLang="en-US" b="1" dirty="0" smtClean="0">
                 <a:ea typeface="굴림" charset="-127"/>
               </a:rPr>
-              <a:t>프로젝트 결과로만 봤을 때 미흡한 부분이 </a:t>
-            </a:r>
-            <a:r>
-              <a:rPr lang="ko-KR" altLang="en-US" b="1" dirty="0" smtClean="0">
-                <a:ea typeface="굴림" charset="-127"/>
-              </a:rPr>
-              <a:t>많아 아쉬움이 있다</a:t>
+              <a:t>프로젝트 결과로만 봤을 때 미흡한 부분이 많아 아쉬움이 있다</a:t>
             </a:r>
             <a:r>
               <a:rPr lang="en-US" altLang="ko-KR" b="1" smtClean="0">
